--- a/Presentation/GETTRIPPY_TRAVEL_SITE.pptx
+++ b/Presentation/GETTRIPPY_TRAVEL_SITE.pptx
@@ -5365,11 +5365,7 @@
           <a:p>
             <a:r>
               <a:rPr lang="en-US" dirty="0" smtClean="0"/>
-              <a:t>GETTRIPPY TRAVEL </a:t>
-            </a:r>
-            <a:r>
-              <a:rPr lang="en-US" dirty="0" smtClean="0"/>
-              <a:t>SITE</a:t>
+              <a:t>GETTRIPPY TRAVEL SITE</a:t>
             </a:r>
             <a:endParaRPr lang="en-US" sz="3600" dirty="0">
               <a:solidFill>
@@ -5694,7 +5690,6 @@
               <a:rPr lang="en-US" sz="3600" dirty="0"/>
               <a:t>SyntaxError.someone.io</a:t>
             </a:r>
-            <a:endParaRPr lang="en-US" sz="3600" dirty="0"/>
           </a:p>
         </p:txBody>
       </p:sp>
@@ -6116,11 +6111,6 @@
               </a:rPr>
               <a:t>PHP – server side language used for web development</a:t>
             </a:r>
-            <a:endParaRPr lang="en-US" sz="2000" dirty="0" smtClean="0">
-              <a:solidFill>
-                <a:schemeClr val="tx1"/>
-              </a:solidFill>
-            </a:endParaRPr>
           </a:p>
           <a:p>
             <a:pPr marL="742950" lvl="1" indent="-285750">
@@ -6135,11 +6125,6 @@
               </a:rPr>
               <a:t>HTML – used for structuring content on the web site</a:t>
             </a:r>
-            <a:endParaRPr lang="en-US" sz="2000" dirty="0" smtClean="0">
-              <a:solidFill>
-                <a:schemeClr val="tx1"/>
-              </a:solidFill>
-            </a:endParaRPr>
           </a:p>
           <a:p>
             <a:pPr marL="742950" lvl="1" indent="-285750">
@@ -6154,11 +6139,6 @@
               </a:rPr>
               <a:t>CSS – used for mark ups such as formatting a document</a:t>
             </a:r>
-            <a:endParaRPr lang="en-US" sz="2000" dirty="0" smtClean="0">
-              <a:solidFill>
-                <a:schemeClr val="tx1"/>
-              </a:solidFill>
-            </a:endParaRPr>
           </a:p>
           <a:p>
             <a:pPr marL="285750" indent="-285750">
@@ -6185,21 +6165,8 @@
                   <a:schemeClr val="tx1"/>
                 </a:solidFill>
               </a:rPr>
-              <a:t>MySQL – stores th</a:t>
-            </a:r>
-            <a:r>
-              <a:rPr lang="en-US" sz="2000" dirty="0" smtClean="0">
-                <a:solidFill>
-                  <a:schemeClr val="tx1"/>
-                </a:solidFill>
-              </a:rPr>
-              <a:t>e data structures for the web site</a:t>
-            </a:r>
-            <a:endParaRPr lang="en-US" sz="2000" dirty="0" smtClean="0">
-              <a:solidFill>
-                <a:schemeClr val="tx1"/>
-              </a:solidFill>
-            </a:endParaRPr>
+              <a:t>MySQL – stores the data structures for the web site</a:t>
+            </a:r>
           </a:p>
           <a:p>
             <a:pPr marL="285750" indent="-285750">
@@ -6236,11 +6203,6 @@
               </a:rPr>
               <a:t> – design templates and used to make web development  faster and easier</a:t>
             </a:r>
-            <a:endParaRPr lang="en-US" sz="2000" dirty="0" smtClean="0">
-              <a:solidFill>
-                <a:schemeClr val="tx1"/>
-              </a:solidFill>
-            </a:endParaRPr>
           </a:p>
           <a:p>
             <a:endParaRPr lang="en-US" sz="2400" dirty="0" smtClean="0">
@@ -6714,16 +6676,16 @@
           <a:lstStyle/>
           <a:p>
             <a:r>
+              <a:rPr lang="en-US" dirty="0" err="1" smtClean="0"/>
+              <a:t>Gettrippy</a:t>
+            </a:r>
+            <a:r>
+              <a:rPr lang="en-US" smtClean="0"/>
+              <a:t> present and </a:t>
+            </a:r>
+            <a:r>
               <a:rPr lang="en-US" dirty="0" smtClean="0"/>
-              <a:t>What </a:t>
-            </a:r>
-            <a:r>
-              <a:rPr lang="en-US" dirty="0" err="1" smtClean="0"/>
-              <a:t>gettrippy</a:t>
-            </a:r>
-            <a:r>
-              <a:rPr lang="en-US" dirty="0" smtClean="0"/>
-              <a:t> brings</a:t>
+              <a:t>future</a:t>
             </a:r>
             <a:endParaRPr lang="en-US" dirty="0"/>
           </a:p>
@@ -6747,7 +6709,7 @@
         </p:spPr>
         <p:txBody>
           <a:bodyPr>
-            <a:normAutofit fontScale="77500" lnSpcReduction="20000"/>
+            <a:normAutofit fontScale="62500" lnSpcReduction="20000"/>
           </a:bodyPr>
           <a:lstStyle/>
           <a:p>
@@ -6827,6 +6789,37 @@
             <a:r>
               <a:rPr lang="en-US" sz="3200" dirty="0" smtClean="0"/>
               <a:t>A registered user will be able to comment on a post and be able to interact with other users on the site </a:t>
+            </a:r>
+            <a:endParaRPr lang="en-US" sz="3200" dirty="0" smtClean="0"/>
+          </a:p>
+          <a:p>
+            <a:pPr marL="742950" lvl="1" indent="-285750">
+              <a:buFont typeface="Arial" panose="020B0604020202020204" pitchFamily="34" charset="0"/>
+              <a:buChar char="•"/>
+            </a:pPr>
+            <a:r>
+              <a:rPr lang="en-US" sz="3200" dirty="0" smtClean="0"/>
+              <a:t>Google maps</a:t>
+            </a:r>
+          </a:p>
+          <a:p>
+            <a:pPr marL="1200150" lvl="2" indent="-285750">
+              <a:buFont typeface="Arial" panose="020B0604020202020204" pitchFamily="34" charset="0"/>
+              <a:buChar char="•"/>
+            </a:pPr>
+            <a:r>
+              <a:rPr lang="en-US" sz="3000" dirty="0" smtClean="0"/>
+              <a:t>Current location</a:t>
+            </a:r>
+          </a:p>
+          <a:p>
+            <a:pPr marL="1200150" lvl="2" indent="-285750">
+              <a:buFont typeface="Arial" panose="020B0604020202020204" pitchFamily="34" charset="0"/>
+              <a:buChar char="•"/>
+            </a:pPr>
+            <a:r>
+              <a:rPr lang="en-US" sz="3000" dirty="0" smtClean="0"/>
+              <a:t>directions</a:t>
             </a:r>
           </a:p>
         </p:txBody>
